--- a/input/images-source/LabExampleE3Technical.pptx
+++ b/input/images-source/LabExampleE3Technical.pptx
@@ -104,6 +104,11 @@
       </a:defRPr>
     </a:lvl9pPr>
   </p:defaultTextStyle>
+  <p:extLst>
+    <p:ext uri="{EFAFB233-063F-42B5-8137-9DF3F51BA10A}">
+      <p15:sldGuideLst xmlns:p15="http://schemas.microsoft.com/office/powerpoint/2012/main"/>
+    </p:ext>
+  </p:extLst>
 </p:presentation>
 </file>
 
@@ -254,7 +259,7 @@
           <a:p>
             <a:fld id="{FE6D52D8-0C98-41B9-A3D4-FA07BCC6B98F}" type="datetimeFigureOut">
               <a:rPr lang="fr-FR" smtClean="0"/>
-              <a:t>11/02/2020</a:t>
+              <a:t>12/02/2020</a:t>
             </a:fld>
             <a:endParaRPr lang="fr-FR"/>
           </a:p>
@@ -452,7 +457,7 @@
           <a:p>
             <a:fld id="{FE6D52D8-0C98-41B9-A3D4-FA07BCC6B98F}" type="datetimeFigureOut">
               <a:rPr lang="fr-FR" smtClean="0"/>
-              <a:t>11/02/2020</a:t>
+              <a:t>12/02/2020</a:t>
             </a:fld>
             <a:endParaRPr lang="fr-FR"/>
           </a:p>
@@ -660,7 +665,7 @@
           <a:p>
             <a:fld id="{FE6D52D8-0C98-41B9-A3D4-FA07BCC6B98F}" type="datetimeFigureOut">
               <a:rPr lang="fr-FR" smtClean="0"/>
-              <a:t>11/02/2020</a:t>
+              <a:t>12/02/2020</a:t>
             </a:fld>
             <a:endParaRPr lang="fr-FR"/>
           </a:p>
@@ -858,7 +863,7 @@
           <a:p>
             <a:fld id="{FE6D52D8-0C98-41B9-A3D4-FA07BCC6B98F}" type="datetimeFigureOut">
               <a:rPr lang="fr-FR" smtClean="0"/>
-              <a:t>11/02/2020</a:t>
+              <a:t>12/02/2020</a:t>
             </a:fld>
             <a:endParaRPr lang="fr-FR"/>
           </a:p>
@@ -1133,7 +1138,7 @@
           <a:p>
             <a:fld id="{FE6D52D8-0C98-41B9-A3D4-FA07BCC6B98F}" type="datetimeFigureOut">
               <a:rPr lang="fr-FR" smtClean="0"/>
-              <a:t>11/02/2020</a:t>
+              <a:t>12/02/2020</a:t>
             </a:fld>
             <a:endParaRPr lang="fr-FR"/>
           </a:p>
@@ -1398,7 +1403,7 @@
           <a:p>
             <a:fld id="{FE6D52D8-0C98-41B9-A3D4-FA07BCC6B98F}" type="datetimeFigureOut">
               <a:rPr lang="fr-FR" smtClean="0"/>
-              <a:t>11/02/2020</a:t>
+              <a:t>12/02/2020</a:t>
             </a:fld>
             <a:endParaRPr lang="fr-FR"/>
           </a:p>
@@ -1810,7 +1815,7 @@
           <a:p>
             <a:fld id="{FE6D52D8-0C98-41B9-A3D4-FA07BCC6B98F}" type="datetimeFigureOut">
               <a:rPr lang="fr-FR" smtClean="0"/>
-              <a:t>11/02/2020</a:t>
+              <a:t>12/02/2020</a:t>
             </a:fld>
             <a:endParaRPr lang="fr-FR"/>
           </a:p>
@@ -1951,7 +1956,7 @@
           <a:p>
             <a:fld id="{FE6D52D8-0C98-41B9-A3D4-FA07BCC6B98F}" type="datetimeFigureOut">
               <a:rPr lang="fr-FR" smtClean="0"/>
-              <a:t>11/02/2020</a:t>
+              <a:t>12/02/2020</a:t>
             </a:fld>
             <a:endParaRPr lang="fr-FR"/>
           </a:p>
@@ -2064,7 +2069,7 @@
           <a:p>
             <a:fld id="{FE6D52D8-0C98-41B9-A3D4-FA07BCC6B98F}" type="datetimeFigureOut">
               <a:rPr lang="fr-FR" smtClean="0"/>
-              <a:t>11/02/2020</a:t>
+              <a:t>12/02/2020</a:t>
             </a:fld>
             <a:endParaRPr lang="fr-FR"/>
           </a:p>
@@ -2375,7 +2380,7 @@
           <a:p>
             <a:fld id="{FE6D52D8-0C98-41B9-A3D4-FA07BCC6B98F}" type="datetimeFigureOut">
               <a:rPr lang="fr-FR" smtClean="0"/>
-              <a:t>11/02/2020</a:t>
+              <a:t>12/02/2020</a:t>
             </a:fld>
             <a:endParaRPr lang="fr-FR"/>
           </a:p>
@@ -2663,7 +2668,7 @@
           <a:p>
             <a:fld id="{FE6D52D8-0C98-41B9-A3D4-FA07BCC6B98F}" type="datetimeFigureOut">
               <a:rPr lang="fr-FR" smtClean="0"/>
-              <a:t>11/02/2020</a:t>
+              <a:t>12/02/2020</a:t>
             </a:fld>
             <a:endParaRPr lang="fr-FR"/>
           </a:p>
@@ -2904,7 +2909,7 @@
           <a:p>
             <a:fld id="{FE6D52D8-0C98-41B9-A3D4-FA07BCC6B98F}" type="datetimeFigureOut">
               <a:rPr lang="fr-FR" smtClean="0"/>
-              <a:t>11/02/2020</a:t>
+              <a:t>12/02/2020</a:t>
             </a:fld>
             <a:endParaRPr lang="fr-FR"/>
           </a:p>
@@ -3840,8 +3845,8 @@
         </p:nvCxnSpPr>
         <p:spPr>
           <a:xfrm flipV="1">
-            <a:off x="4931665" y="3532160"/>
-            <a:ext cx="792272" cy="462176"/>
+            <a:off x="5122506" y="3532160"/>
+            <a:ext cx="601431" cy="1954240"/>
           </a:xfrm>
           <a:prstGeom prst="straightConnector1">
             <a:avLst/>
@@ -3999,7 +4004,7 @@
         <p:spPr>
           <a:xfrm>
             <a:off x="2566752" y="1275544"/>
-            <a:ext cx="2909821" cy="2923725"/>
+            <a:ext cx="2909821" cy="4388138"/>
           </a:xfrm>
           <a:prstGeom prst="roundRect">
             <a:avLst>
@@ -4179,6 +4184,137 @@
                 <a:solidFill>
                   <a:srgbClr val="0070C0"/>
                 </a:solidFill>
+                <a:highlight>
+                  <a:srgbClr val="FFFF00"/>
+                </a:highlight>
+              </a:rPr>
+              <a:t>useContext</a:t>
+            </a:r>
+          </a:p>
+          <a:p>
+            <a:pPr marL="265113"/>
+            <a:r>
+              <a:rPr lang="en-US" sz="1600" noProof="1">
+                <a:solidFill>
+                  <a:srgbClr val="0070C0"/>
+                </a:solidFill>
+              </a:rPr>
+              <a:t>code: </a:t>
+            </a:r>
+            <a:r>
+              <a:rPr lang="en-US" sz="1600" noProof="1">
+                <a:solidFill>
+                  <a:schemeClr val="tx1"/>
+                </a:solidFill>
+                <a:highlight>
+                  <a:srgbClr val="FFFF00"/>
+                </a:highlight>
+              </a:rPr>
+              <a:t>task</a:t>
+            </a:r>
+          </a:p>
+          <a:p>
+            <a:pPr marL="265113"/>
+            <a:r>
+              <a:rPr lang="en-US" sz="1600" noProof="1">
+                <a:solidFill>
+                  <a:srgbClr val="0070C0"/>
+                </a:solidFill>
+              </a:rPr>
+              <a:t>valueCodeableConcept</a:t>
+            </a:r>
+          </a:p>
+          <a:p>
+            <a:pPr marL="452438"/>
+            <a:r>
+              <a:rPr lang="en-US" sz="1600" noProof="1">
+                <a:solidFill>
+                  <a:srgbClr val="0070C0"/>
+                </a:solidFill>
+              </a:rPr>
+              <a:t>system: </a:t>
+            </a:r>
+            <a:r>
+              <a:rPr lang="en-US" sz="1600" noProof="1">
+                <a:solidFill>
+                  <a:schemeClr val="tx1"/>
+                </a:solidFill>
+                <a:highlight>
+                  <a:srgbClr val="FFFF00"/>
+                </a:highlight>
+              </a:rPr>
+              <a:t>v3-ActCode</a:t>
+            </a:r>
+            <a:endParaRPr lang="en-US" sz="1600" noProof="1">
+              <a:solidFill>
+                <a:srgbClr val="0070C0"/>
+              </a:solidFill>
+            </a:endParaRPr>
+          </a:p>
+          <a:p>
+            <a:pPr marL="452438"/>
+            <a:r>
+              <a:rPr lang="en-US" sz="1600" noProof="1">
+                <a:solidFill>
+                  <a:srgbClr val="0070C0"/>
+                </a:solidFill>
+              </a:rPr>
+              <a:t>code</a:t>
+            </a:r>
+            <a:r>
+              <a:rPr lang="en-US" sz="1600" noProof="1">
+                <a:solidFill>
+                  <a:schemeClr val="tx1"/>
+                </a:solidFill>
+              </a:rPr>
+              <a:t>: </a:t>
+            </a:r>
+            <a:r>
+              <a:rPr lang="en-US" sz="1600" noProof="1">
+                <a:solidFill>
+                  <a:schemeClr val="tx1"/>
+                </a:solidFill>
+                <a:highlight>
+                  <a:srgbClr val="FFFF00"/>
+                </a:highlight>
+              </a:rPr>
+              <a:t>LABOE</a:t>
+            </a:r>
+          </a:p>
+          <a:p>
+            <a:pPr marL="452438"/>
+            <a:r>
+              <a:rPr lang="en-US" sz="1600" noProof="1">
+                <a:solidFill>
+                  <a:srgbClr val="0070C0"/>
+                </a:solidFill>
+              </a:rPr>
+              <a:t>display: </a:t>
+            </a:r>
+            <a:r>
+              <a:rPr lang="en-US" sz="1600" noProof="1">
+                <a:solidFill>
+                  <a:schemeClr val="tx1"/>
+                </a:solidFill>
+                <a:highlight>
+                  <a:srgbClr val="FFFF00"/>
+                </a:highlight>
+              </a:rPr>
+              <a:t>lab order entry</a:t>
+            </a:r>
+            <a:endParaRPr lang="en-US" sz="1600" noProof="1">
+              <a:solidFill>
+                <a:srgbClr val="0070C0"/>
+              </a:solidFill>
+            </a:endParaRPr>
+          </a:p>
+          <a:p>
+            <a:pPr marL="176213"/>
+            <a:r>
+              <a:rPr lang="en-US" sz="1600" noProof="1">
+                <a:solidFill>
+                  <a:srgbClr val="0070C0"/>
+                </a:solidFill>
               </a:rPr>
               <a:t>action</a:t>
             </a:r>
@@ -4274,7 +4410,19 @@
             </a:r>
             <a:r>
               <a:rPr lang="en-US" sz="2400" dirty="0"/>
-              <a:t>, non-orderable: summary of content</a:t>
+              <a:t>, </a:t>
+            </a:r>
+            <a:r>
+              <a:rPr lang="en-US" sz="2400" dirty="0">
+                <a:highlight>
+                  <a:srgbClr val="FFFF00"/>
+                </a:highlight>
+              </a:rPr>
+              <a:t>orderable</a:t>
+            </a:r>
+            <a:r>
+              <a:rPr lang="en-US" sz="2400" dirty="0"/>
+              <a:t>: summary of content</a:t>
             </a:r>
           </a:p>
         </p:txBody>

--- a/input/images-source/LabExampleE3Technical.pptx
+++ b/input/images-source/LabExampleE3Technical.pptx
@@ -259,7 +259,7 @@
           <a:p>
             <a:fld id="{FE6D52D8-0C98-41B9-A3D4-FA07BCC6B98F}" type="datetimeFigureOut">
               <a:rPr lang="fr-FR" smtClean="0"/>
-              <a:t>12/02/2020</a:t>
+              <a:t>08/06/2020</a:t>
             </a:fld>
             <a:endParaRPr lang="fr-FR"/>
           </a:p>
@@ -457,7 +457,7 @@
           <a:p>
             <a:fld id="{FE6D52D8-0C98-41B9-A3D4-FA07BCC6B98F}" type="datetimeFigureOut">
               <a:rPr lang="fr-FR" smtClean="0"/>
-              <a:t>12/02/2020</a:t>
+              <a:t>08/06/2020</a:t>
             </a:fld>
             <a:endParaRPr lang="fr-FR"/>
           </a:p>
@@ -665,7 +665,7 @@
           <a:p>
             <a:fld id="{FE6D52D8-0C98-41B9-A3D4-FA07BCC6B98F}" type="datetimeFigureOut">
               <a:rPr lang="fr-FR" smtClean="0"/>
-              <a:t>12/02/2020</a:t>
+              <a:t>08/06/2020</a:t>
             </a:fld>
             <a:endParaRPr lang="fr-FR"/>
           </a:p>
@@ -863,7 +863,7 @@
           <a:p>
             <a:fld id="{FE6D52D8-0C98-41B9-A3D4-FA07BCC6B98F}" type="datetimeFigureOut">
               <a:rPr lang="fr-FR" smtClean="0"/>
-              <a:t>12/02/2020</a:t>
+              <a:t>08/06/2020</a:t>
             </a:fld>
             <a:endParaRPr lang="fr-FR"/>
           </a:p>
@@ -1138,7 +1138,7 @@
           <a:p>
             <a:fld id="{FE6D52D8-0C98-41B9-A3D4-FA07BCC6B98F}" type="datetimeFigureOut">
               <a:rPr lang="fr-FR" smtClean="0"/>
-              <a:t>12/02/2020</a:t>
+              <a:t>08/06/2020</a:t>
             </a:fld>
             <a:endParaRPr lang="fr-FR"/>
           </a:p>
@@ -1403,7 +1403,7 @@
           <a:p>
             <a:fld id="{FE6D52D8-0C98-41B9-A3D4-FA07BCC6B98F}" type="datetimeFigureOut">
               <a:rPr lang="fr-FR" smtClean="0"/>
-              <a:t>12/02/2020</a:t>
+              <a:t>08/06/2020</a:t>
             </a:fld>
             <a:endParaRPr lang="fr-FR"/>
           </a:p>
@@ -1815,7 +1815,7 @@
           <a:p>
             <a:fld id="{FE6D52D8-0C98-41B9-A3D4-FA07BCC6B98F}" type="datetimeFigureOut">
               <a:rPr lang="fr-FR" smtClean="0"/>
-              <a:t>12/02/2020</a:t>
+              <a:t>08/06/2020</a:t>
             </a:fld>
             <a:endParaRPr lang="fr-FR"/>
           </a:p>
@@ -1956,7 +1956,7 @@
           <a:p>
             <a:fld id="{FE6D52D8-0C98-41B9-A3D4-FA07BCC6B98F}" type="datetimeFigureOut">
               <a:rPr lang="fr-FR" smtClean="0"/>
-              <a:t>12/02/2020</a:t>
+              <a:t>08/06/2020</a:t>
             </a:fld>
             <a:endParaRPr lang="fr-FR"/>
           </a:p>
@@ -2069,7 +2069,7 @@
           <a:p>
             <a:fld id="{FE6D52D8-0C98-41B9-A3D4-FA07BCC6B98F}" type="datetimeFigureOut">
               <a:rPr lang="fr-FR" smtClean="0"/>
-              <a:t>12/02/2020</a:t>
+              <a:t>08/06/2020</a:t>
             </a:fld>
             <a:endParaRPr lang="fr-FR"/>
           </a:p>
@@ -2380,7 +2380,7 @@
           <a:p>
             <a:fld id="{FE6D52D8-0C98-41B9-A3D4-FA07BCC6B98F}" type="datetimeFigureOut">
               <a:rPr lang="fr-FR" smtClean="0"/>
-              <a:t>12/02/2020</a:t>
+              <a:t>08/06/2020</a:t>
             </a:fld>
             <a:endParaRPr lang="fr-FR"/>
           </a:p>
@@ -2668,7 +2668,7 @@
           <a:p>
             <a:fld id="{FE6D52D8-0C98-41B9-A3D4-FA07BCC6B98F}" type="datetimeFigureOut">
               <a:rPr lang="fr-FR" smtClean="0"/>
-              <a:t>12/02/2020</a:t>
+              <a:t>08/06/2020</a:t>
             </a:fld>
             <a:endParaRPr lang="fr-FR"/>
           </a:p>
@@ -2909,7 +2909,7 @@
           <a:p>
             <a:fld id="{FE6D52D8-0C98-41B9-A3D4-FA07BCC6B98F}" type="datetimeFigureOut">
               <a:rPr lang="fr-FR" smtClean="0"/>
-              <a:t>12/02/2020</a:t>
+              <a:t>08/06/2020</a:t>
             </a:fld>
             <a:endParaRPr lang="fr-FR"/>
           </a:p>
@@ -3340,8 +3340,8 @@
         </p:nvSpPr>
         <p:spPr>
           <a:xfrm>
-            <a:off x="5723937" y="1967798"/>
-            <a:ext cx="3110343" cy="3128723"/>
+            <a:off x="5715181" y="2968487"/>
+            <a:ext cx="3110343" cy="2908851"/>
           </a:xfrm>
           <a:prstGeom prst="roundRect">
             <a:avLst>
@@ -3525,17 +3525,6 @@
                   <a:srgbClr val="0070C0"/>
                 </a:solidFill>
               </a:rPr>
-              <a:t>specimenRequirement</a:t>
-            </a:r>
-          </a:p>
-          <a:p>
-            <a:pPr marL="268288"/>
-            <a:r>
-              <a:rPr lang="en-US" sz="1600" noProof="1">
-                <a:solidFill>
-                  <a:srgbClr val="0070C0"/>
-                </a:solidFill>
-              </a:rPr>
               <a:t>observationRequirement</a:t>
             </a:r>
           </a:p>
@@ -3599,7 +3588,7 @@
         </p:nvSpPr>
         <p:spPr>
           <a:xfrm>
-            <a:off x="9017919" y="1856345"/>
+            <a:off x="5723937" y="1571627"/>
             <a:ext cx="2561069" cy="863460"/>
           </a:xfrm>
           <a:prstGeom prst="roundRect">
@@ -3749,14 +3738,13 @@
           </p:cNvPr>
           <p:cNvCxnSpPr>
             <a:cxnSpLocks/>
-            <a:endCxn id="18" idx="1"/>
           </p:cNvCxnSpPr>
           <p:nvPr/>
         </p:nvCxnSpPr>
         <p:spPr>
           <a:xfrm flipV="1">
-            <a:off x="8748978" y="4363747"/>
-            <a:ext cx="268938" cy="301044"/>
+            <a:off x="8787251" y="4499113"/>
+            <a:ext cx="230665" cy="887792"/>
           </a:xfrm>
           <a:prstGeom prst="straightConnector1">
             <a:avLst/>
@@ -3800,15 +3788,15 @@
         </p:nvCxnSpPr>
         <p:spPr>
           <a:xfrm flipV="1">
-            <a:off x="8088850" y="2288075"/>
-            <a:ext cx="929069" cy="1398991"/>
+            <a:off x="5189712" y="2003357"/>
+            <a:ext cx="534225" cy="3170362"/>
           </a:xfrm>
           <a:prstGeom prst="straightConnector1">
             <a:avLst/>
           </a:prstGeom>
           <a:ln>
             <a:solidFill>
-              <a:schemeClr val="tx1"/>
+              <a:srgbClr val="00B050"/>
             </a:solidFill>
             <a:tailEnd type="triangle" w="lg" len="lg"/>
           </a:ln>
@@ -3845,8 +3833,8 @@
         </p:nvCxnSpPr>
         <p:spPr>
           <a:xfrm flipV="1">
-            <a:off x="5122506" y="3532160"/>
-            <a:ext cx="601431" cy="1954240"/>
+            <a:off x="5122506" y="4422913"/>
+            <a:ext cx="592675" cy="1257148"/>
           </a:xfrm>
           <a:prstGeom prst="straightConnector1">
             <a:avLst/>
@@ -3955,14 +3943,13 @@
           </p:cNvPr>
           <p:cNvCxnSpPr>
             <a:cxnSpLocks/>
-            <a:endCxn id="40" idx="1"/>
           </p:cNvCxnSpPr>
           <p:nvPr/>
         </p:nvCxnSpPr>
         <p:spPr>
           <a:xfrm flipV="1">
-            <a:off x="8276253" y="3331662"/>
-            <a:ext cx="769372" cy="558491"/>
+            <a:off x="8335617" y="3253409"/>
+            <a:ext cx="715618" cy="1426985"/>
           </a:xfrm>
           <a:prstGeom prst="straightConnector1">
             <a:avLst/>
@@ -4003,8 +3990,8 @@
         </p:nvSpPr>
         <p:spPr>
           <a:xfrm>
-            <a:off x="2566752" y="1275544"/>
-            <a:ext cx="2909821" cy="4388138"/>
+            <a:off x="2566752" y="1275543"/>
+            <a:ext cx="2909821" cy="4601795"/>
           </a:xfrm>
           <a:prstGeom prst="roundRect">
             <a:avLst>
@@ -4317,6 +4304,17 @@
                 </a:solidFill>
               </a:rPr>
               <a:t>action</a:t>
+            </a:r>
+          </a:p>
+          <a:p>
+            <a:pPr algn="ctr"/>
+            <a:r>
+              <a:rPr lang="en-US" sz="1600" noProof="1">
+                <a:solidFill>
+                  <a:srgbClr val="00B050"/>
+                </a:solidFill>
+              </a:rPr>
+              <a:t>specimenRequirements </a:t>
             </a:r>
           </a:p>
           <a:p>
@@ -4514,9 +4512,9 @@
           <p:nvPr/>
         </p:nvCxnSpPr>
         <p:spPr>
-          <a:xfrm>
-            <a:off x="8276253" y="4199269"/>
-            <a:ext cx="741663" cy="164478"/>
+          <a:xfrm flipV="1">
+            <a:off x="8335617" y="4363747"/>
+            <a:ext cx="682299" cy="549563"/>
           </a:xfrm>
           <a:prstGeom prst="straightConnector1">
             <a:avLst/>
@@ -4559,9 +4557,9 @@
           <p:nvPr/>
         </p:nvCxnSpPr>
         <p:spPr>
-          <a:xfrm>
-            <a:off x="8752114" y="4909742"/>
-            <a:ext cx="265802" cy="486090"/>
+          <a:xfrm flipV="1">
+            <a:off x="8748978" y="5395832"/>
+            <a:ext cx="268938" cy="259393"/>
           </a:xfrm>
           <a:prstGeom prst="straightConnector1">
             <a:avLst/>
@@ -4605,7 +4603,7 @@
         <p:spPr>
           <a:xfrm flipV="1">
             <a:off x="8748978" y="3429000"/>
-            <a:ext cx="268938" cy="1017738"/>
+            <a:ext cx="268938" cy="1744719"/>
           </a:xfrm>
           <a:prstGeom prst="straightConnector1">
             <a:avLst/>

--- a/input/images-source/LabExampleE3Technical.pptx
+++ b/input/images-source/LabExampleE3Technical.pptx
@@ -259,7 +259,7 @@
           <a:p>
             <a:fld id="{FE6D52D8-0C98-41B9-A3D4-FA07BCC6B98F}" type="datetimeFigureOut">
               <a:rPr lang="fr-FR" smtClean="0"/>
-              <a:t>08/06/2020</a:t>
+              <a:t>12/06/2020</a:t>
             </a:fld>
             <a:endParaRPr lang="fr-FR"/>
           </a:p>
@@ -457,7 +457,7 @@
           <a:p>
             <a:fld id="{FE6D52D8-0C98-41B9-A3D4-FA07BCC6B98F}" type="datetimeFigureOut">
               <a:rPr lang="fr-FR" smtClean="0"/>
-              <a:t>08/06/2020</a:t>
+              <a:t>12/06/2020</a:t>
             </a:fld>
             <a:endParaRPr lang="fr-FR"/>
           </a:p>
@@ -665,7 +665,7 @@
           <a:p>
             <a:fld id="{FE6D52D8-0C98-41B9-A3D4-FA07BCC6B98F}" type="datetimeFigureOut">
               <a:rPr lang="fr-FR" smtClean="0"/>
-              <a:t>08/06/2020</a:t>
+              <a:t>12/06/2020</a:t>
             </a:fld>
             <a:endParaRPr lang="fr-FR"/>
           </a:p>
@@ -863,7 +863,7 @@
           <a:p>
             <a:fld id="{FE6D52D8-0C98-41B9-A3D4-FA07BCC6B98F}" type="datetimeFigureOut">
               <a:rPr lang="fr-FR" smtClean="0"/>
-              <a:t>08/06/2020</a:t>
+              <a:t>12/06/2020</a:t>
             </a:fld>
             <a:endParaRPr lang="fr-FR"/>
           </a:p>
@@ -1138,7 +1138,7 @@
           <a:p>
             <a:fld id="{FE6D52D8-0C98-41B9-A3D4-FA07BCC6B98F}" type="datetimeFigureOut">
               <a:rPr lang="fr-FR" smtClean="0"/>
-              <a:t>08/06/2020</a:t>
+              <a:t>12/06/2020</a:t>
             </a:fld>
             <a:endParaRPr lang="fr-FR"/>
           </a:p>
@@ -1403,7 +1403,7 @@
           <a:p>
             <a:fld id="{FE6D52D8-0C98-41B9-A3D4-FA07BCC6B98F}" type="datetimeFigureOut">
               <a:rPr lang="fr-FR" smtClean="0"/>
-              <a:t>08/06/2020</a:t>
+              <a:t>12/06/2020</a:t>
             </a:fld>
             <a:endParaRPr lang="fr-FR"/>
           </a:p>
@@ -1815,7 +1815,7 @@
           <a:p>
             <a:fld id="{FE6D52D8-0C98-41B9-A3D4-FA07BCC6B98F}" type="datetimeFigureOut">
               <a:rPr lang="fr-FR" smtClean="0"/>
-              <a:t>08/06/2020</a:t>
+              <a:t>12/06/2020</a:t>
             </a:fld>
             <a:endParaRPr lang="fr-FR"/>
           </a:p>
@@ -1956,7 +1956,7 @@
           <a:p>
             <a:fld id="{FE6D52D8-0C98-41B9-A3D4-FA07BCC6B98F}" type="datetimeFigureOut">
               <a:rPr lang="fr-FR" smtClean="0"/>
-              <a:t>08/06/2020</a:t>
+              <a:t>12/06/2020</a:t>
             </a:fld>
             <a:endParaRPr lang="fr-FR"/>
           </a:p>
@@ -2069,7 +2069,7 @@
           <a:p>
             <a:fld id="{FE6D52D8-0C98-41B9-A3D4-FA07BCC6B98F}" type="datetimeFigureOut">
               <a:rPr lang="fr-FR" smtClean="0"/>
-              <a:t>08/06/2020</a:t>
+              <a:t>12/06/2020</a:t>
             </a:fld>
             <a:endParaRPr lang="fr-FR"/>
           </a:p>
@@ -2380,7 +2380,7 @@
           <a:p>
             <a:fld id="{FE6D52D8-0C98-41B9-A3D4-FA07BCC6B98F}" type="datetimeFigureOut">
               <a:rPr lang="fr-FR" smtClean="0"/>
-              <a:t>08/06/2020</a:t>
+              <a:t>12/06/2020</a:t>
             </a:fld>
             <a:endParaRPr lang="fr-FR"/>
           </a:p>
@@ -2668,7 +2668,7 @@
           <a:p>
             <a:fld id="{FE6D52D8-0C98-41B9-A3D4-FA07BCC6B98F}" type="datetimeFigureOut">
               <a:rPr lang="fr-FR" smtClean="0"/>
-              <a:t>08/06/2020</a:t>
+              <a:t>12/06/2020</a:t>
             </a:fld>
             <a:endParaRPr lang="fr-FR"/>
           </a:p>
@@ -2909,7 +2909,7 @@
           <a:p>
             <a:fld id="{FE6D52D8-0C98-41B9-A3D4-FA07BCC6B98F}" type="datetimeFigureOut">
               <a:rPr lang="fr-FR" smtClean="0"/>
-              <a:t>08/06/2020</a:t>
+              <a:t>12/06/2020</a:t>
             </a:fld>
             <a:endParaRPr lang="fr-FR"/>
           </a:p>
@@ -4314,7 +4314,7 @@
                   <a:srgbClr val="00B050"/>
                 </a:solidFill>
               </a:rPr>
-              <a:t>specimenRequirements </a:t>
+              <a:t>specimenRequested </a:t>
             </a:r>
           </a:p>
           <a:p>
